--- a/Short Course/Slides/Session 6.pptx
+++ b/Short Course/Slides/Session 6.pptx
@@ -208,7 +208,7 @@
           <a:p>
             <a:fld id="{FFA51DE2-3FAC-814E-9888-41FE89AB1336}" type="datetimeFigureOut">
               <a:rPr lang="en-US" smtClean="0"/>
-              <a:t>9/8/21</a:t>
+              <a:t>9/13/21</a:t>
             </a:fld>
             <a:endParaRPr lang="en-US"/>
           </a:p>
@@ -620,9 +620,9 @@
           <a:bodyPr/>
           <a:lstStyle/>
           <a:p>
-            <a:fld id="{642D7AC4-5CE3-C146-A2E3-4890946DC6D4}" type="datetime1">
+            <a:fld id="{388CF3BF-BA42-AC4A-ABCB-A1F2E8EB9A22}" type="datetime1">
               <a:rPr lang="en-US" smtClean="0"/>
-              <a:t>9/8/21</a:t>
+              <a:t>9/13/21</a:t>
             </a:fld>
             <a:endParaRPr lang="en-US"/>
           </a:p>
@@ -915,9 +915,9 @@
           <a:bodyPr/>
           <a:lstStyle/>
           <a:p>
-            <a:fld id="{4A5EF959-DD1C-7E41-B213-5AF38BA47EF4}" type="datetime1">
+            <a:fld id="{33DB33EB-25E0-CF45-B8A1-E182D1FDA0FE}" type="datetime1">
               <a:rPr lang="en-US" smtClean="0"/>
-              <a:t>9/8/21</a:t>
+              <a:t>9/13/21</a:t>
             </a:fld>
             <a:endParaRPr lang="en-US"/>
           </a:p>
@@ -1126,9 +1126,9 @@
           <a:bodyPr/>
           <a:lstStyle/>
           <a:p>
-            <a:fld id="{1813C38F-4553-A547-9787-69A0C22F2C14}" type="datetime1">
+            <a:fld id="{14A486B3-9804-C84B-90A6-F09AB8661DA5}" type="datetime1">
               <a:rPr lang="en-US" smtClean="0"/>
-              <a:t>9/8/21</a:t>
+              <a:t>9/13/21</a:t>
             </a:fld>
             <a:endParaRPr lang="en-US"/>
           </a:p>
@@ -1337,9 +1337,9 @@
           <a:bodyPr/>
           <a:lstStyle/>
           <a:p>
-            <a:fld id="{B984DA8A-96CC-5944-80F6-5B7CC9EA8948}" type="datetime1">
+            <a:fld id="{BBAB3AFC-CD39-EB4C-9DD4-608CC4F9AA2C}" type="datetime1">
               <a:rPr lang="en-US" smtClean="0"/>
-              <a:t>9/8/21</a:t>
+              <a:t>9/13/21</a:t>
             </a:fld>
             <a:endParaRPr lang="en-US"/>
           </a:p>
@@ -1709,9 +1709,9 @@
           <a:bodyPr/>
           <a:lstStyle/>
           <a:p>
-            <a:fld id="{79D6C4BE-7FB5-D445-8873-ABA72C344CD6}" type="datetime1">
+            <a:fld id="{2F5BB844-6DD9-1F43-936B-B3D5DBFB6144}" type="datetime1">
               <a:rPr lang="en-US" smtClean="0"/>
-              <a:t>9/8/21</a:t>
+              <a:t>9/13/21</a:t>
             </a:fld>
             <a:endParaRPr lang="en-US"/>
           </a:p>
@@ -1977,9 +1977,9 @@
           <a:bodyPr/>
           <a:lstStyle/>
           <a:p>
-            <a:fld id="{8A0A26CC-D54B-1C43-A41C-A338A220E4F6}" type="datetime1">
+            <a:fld id="{5B5E38DB-73EF-7744-8B15-C14A9EEFF0EF}" type="datetime1">
               <a:rPr lang="en-US" smtClean="0"/>
-              <a:t>9/8/21</a:t>
+              <a:t>9/13/21</a:t>
             </a:fld>
             <a:endParaRPr lang="en-US"/>
           </a:p>
@@ -2392,9 +2392,9 @@
           <a:bodyPr/>
           <a:lstStyle/>
           <a:p>
-            <a:fld id="{C69D8701-D512-7344-8F91-0DD8CE66A0A5}" type="datetime1">
+            <a:fld id="{5A260AE1-6FD4-B94E-9843-81035E82F8C8}" type="datetime1">
               <a:rPr lang="en-US" smtClean="0"/>
-              <a:t>9/8/21</a:t>
+              <a:t>9/13/21</a:t>
             </a:fld>
             <a:endParaRPr lang="en-US"/>
           </a:p>
@@ -2545,9 +2545,9 @@
           <a:bodyPr/>
           <a:lstStyle/>
           <a:p>
-            <a:fld id="{1396A7AD-F8A2-554C-94BB-8106AA36B7F7}" type="datetime1">
+            <a:fld id="{383E92C2-5DF5-504B-9243-19C8622B18DB}" type="datetime1">
               <a:rPr lang="en-US" smtClean="0"/>
-              <a:t>9/8/21</a:t>
+              <a:t>9/13/21</a:t>
             </a:fld>
             <a:endParaRPr lang="en-US"/>
           </a:p>
@@ -2755,9 +2755,9 @@
           <a:bodyPr/>
           <a:lstStyle/>
           <a:p>
-            <a:fld id="{3A9DAAA6-AB90-8340-8A3C-C3B56519D387}" type="datetime1">
+            <a:fld id="{0C963EE7-FC5D-1642-B416-31028203370F}" type="datetime1">
               <a:rPr lang="en-US" smtClean="0"/>
-              <a:t>9/8/21</a:t>
+              <a:t>9/13/21</a:t>
             </a:fld>
             <a:endParaRPr lang="en-US"/>
           </a:p>
@@ -3163,9 +3163,9 @@
           <a:bodyPr/>
           <a:lstStyle/>
           <a:p>
-            <a:fld id="{9489ED3C-9661-6A41-A72C-F890A1D881F3}" type="datetime1">
+            <a:fld id="{81D6DAE6-9C9C-FD44-AA92-AF1F338CA491}" type="datetime1">
               <a:rPr lang="en-US" smtClean="0"/>
-              <a:t>9/8/21</a:t>
+              <a:t>9/13/21</a:t>
             </a:fld>
             <a:endParaRPr lang="en-US"/>
           </a:p>
@@ -3457,9 +3457,9 @@
           <a:bodyPr/>
           <a:lstStyle/>
           <a:p>
-            <a:fld id="{4F55E8D1-731D-434B-A36B-D31D67AA0306}" type="datetime1">
+            <a:fld id="{0AB6BFD3-94AD-574C-8942-E509A63A5A8F}" type="datetime1">
               <a:rPr lang="en-US" smtClean="0"/>
-              <a:t>9/8/21</a:t>
+              <a:t>9/13/21</a:t>
             </a:fld>
             <a:endParaRPr lang="en-US"/>
           </a:p>
@@ -3701,9 +3701,9 @@
             </a:lvl1pPr>
           </a:lstStyle>
           <a:p>
-            <a:fld id="{515FF319-0052-034B-B86C-BCDBE0170784}" type="datetime1">
+            <a:fld id="{060E7BA7-6A15-B149-B8CA-872AD46FA830}" type="datetime1">
               <a:rPr lang="en-US" smtClean="0"/>
-              <a:t>9/8/21</a:t>
+              <a:t>9/13/21</a:t>
             </a:fld>
             <a:endParaRPr lang="en-US"/>
           </a:p>
@@ -3823,7 +3823,7 @@
     <p:sldLayoutId id="2147483658" r:id="rId10"/>
     <p:sldLayoutId id="2147483659" r:id="rId11"/>
   </p:sldLayoutIdLst>
-  <p:hf sldNum="0" hdr="0" dt="0"/>
+  <p:hf hdr="0" dt="0"/>
   <p:txStyles>
     <p:titleStyle>
       <a:lvl1pPr algn="l" defTabSz="914400" rtl="0" eaLnBrk="1" latinLnBrk="0" hangingPunct="1">
@@ -4331,6 +4331,35 @@
           </a:prstGeom>
         </p:spPr>
       </p:pic>
+      <p:sp>
+        <p:nvSpPr>
+          <p:cNvPr id="4" name="Slide Number Placeholder 3">
+            <a:extLst>
+              <a:ext uri="{FF2B5EF4-FFF2-40B4-BE49-F238E27FC236}">
+                <a16:creationId xmlns:a16="http://schemas.microsoft.com/office/drawing/2014/main" id="{2320C397-0007-8E4C-9EB0-CE59F138C5B6}"/>
+              </a:ext>
+            </a:extLst>
+          </p:cNvPr>
+          <p:cNvSpPr>
+            <a:spLocks noGrp="1"/>
+          </p:cNvSpPr>
+          <p:nvPr>
+            <p:ph type="sldNum" sz="quarter" idx="12"/>
+          </p:nvPr>
+        </p:nvSpPr>
+        <p:spPr/>
+        <p:txBody>
+          <a:bodyPr/>
+          <a:lstStyle/>
+          <a:p>
+            <a:fld id="{7B5F8CF4-080C-6448-A4C0-B6A3C5CD13C0}" type="slidenum">
+              <a:rPr lang="en-US" smtClean="0"/>
+              <a:t>10</a:t>
+            </a:fld>
+            <a:endParaRPr lang="en-US"/>
+          </a:p>
+        </p:txBody>
+      </p:sp>
     </p:spTree>
     <p:extLst>
       <p:ext uri="{BB962C8B-B14F-4D97-AF65-F5344CB8AC3E}">
@@ -4476,6 +4505,35 @@
           </a:p>
         </p:txBody>
       </p:sp>
+      <p:sp>
+        <p:nvSpPr>
+          <p:cNvPr id="4" name="Slide Number Placeholder 3">
+            <a:extLst>
+              <a:ext uri="{FF2B5EF4-FFF2-40B4-BE49-F238E27FC236}">
+                <a16:creationId xmlns:a16="http://schemas.microsoft.com/office/drawing/2014/main" id="{A9F17CE1-2E5D-424D-8470-D5AA4ECD3A71}"/>
+              </a:ext>
+            </a:extLst>
+          </p:cNvPr>
+          <p:cNvSpPr>
+            <a:spLocks noGrp="1"/>
+          </p:cNvSpPr>
+          <p:nvPr>
+            <p:ph type="sldNum" sz="quarter" idx="12"/>
+          </p:nvPr>
+        </p:nvSpPr>
+        <p:spPr/>
+        <p:txBody>
+          <a:bodyPr/>
+          <a:lstStyle/>
+          <a:p>
+            <a:fld id="{7B5F8CF4-080C-6448-A4C0-B6A3C5CD13C0}" type="slidenum">
+              <a:rPr lang="en-US" smtClean="0"/>
+              <a:t>11</a:t>
+            </a:fld>
+            <a:endParaRPr lang="en-US"/>
+          </a:p>
+        </p:txBody>
+      </p:sp>
     </p:spTree>
     <p:extLst>
       <p:ext uri="{BB962C8B-B14F-4D97-AF65-F5344CB8AC3E}">
@@ -4595,6 +4653,35 @@
           </a:prstGeom>
         </p:spPr>
       </p:pic>
+      <p:sp>
+        <p:nvSpPr>
+          <p:cNvPr id="3" name="Slide Number Placeholder 2">
+            <a:extLst>
+              <a:ext uri="{FF2B5EF4-FFF2-40B4-BE49-F238E27FC236}">
+                <a16:creationId xmlns:a16="http://schemas.microsoft.com/office/drawing/2014/main" id="{A68F3536-EEA2-2047-98E6-C47545AEE431}"/>
+              </a:ext>
+            </a:extLst>
+          </p:cNvPr>
+          <p:cNvSpPr>
+            <a:spLocks noGrp="1"/>
+          </p:cNvSpPr>
+          <p:nvPr>
+            <p:ph type="sldNum" sz="quarter" idx="12"/>
+          </p:nvPr>
+        </p:nvSpPr>
+        <p:spPr/>
+        <p:txBody>
+          <a:bodyPr/>
+          <a:lstStyle/>
+          <a:p>
+            <a:fld id="{7B5F8CF4-080C-6448-A4C0-B6A3C5CD13C0}" type="slidenum">
+              <a:rPr lang="en-US" smtClean="0"/>
+              <a:t>12</a:t>
+            </a:fld>
+            <a:endParaRPr lang="en-US"/>
+          </a:p>
+        </p:txBody>
+      </p:sp>
     </p:spTree>
     <p:extLst>
       <p:ext uri="{BB962C8B-B14F-4D97-AF65-F5344CB8AC3E}">
@@ -4867,6 +4954,35 @@
           </a:p>
         </p:txBody>
       </p:sp>
+      <p:sp>
+        <p:nvSpPr>
+          <p:cNvPr id="2" name="Slide Number Placeholder 1">
+            <a:extLst>
+              <a:ext uri="{FF2B5EF4-FFF2-40B4-BE49-F238E27FC236}">
+                <a16:creationId xmlns:a16="http://schemas.microsoft.com/office/drawing/2014/main" id="{C931DC01-CF03-7640-8BFE-24502F529662}"/>
+              </a:ext>
+            </a:extLst>
+          </p:cNvPr>
+          <p:cNvSpPr>
+            <a:spLocks noGrp="1"/>
+          </p:cNvSpPr>
+          <p:nvPr>
+            <p:ph type="sldNum" sz="quarter" idx="12"/>
+          </p:nvPr>
+        </p:nvSpPr>
+        <p:spPr/>
+        <p:txBody>
+          <a:bodyPr/>
+          <a:lstStyle/>
+          <a:p>
+            <a:fld id="{7B5F8CF4-080C-6448-A4C0-B6A3C5CD13C0}" type="slidenum">
+              <a:rPr lang="en-US" smtClean="0"/>
+              <a:t>2</a:t>
+            </a:fld>
+            <a:endParaRPr lang="en-US"/>
+          </a:p>
+        </p:txBody>
+      </p:sp>
     </p:spTree>
     <p:extLst>
       <p:ext uri="{BB962C8B-B14F-4D97-AF65-F5344CB8AC3E}">
@@ -4990,6 +5106,35 @@
           </a:p>
         </p:txBody>
       </p:sp>
+      <p:sp>
+        <p:nvSpPr>
+          <p:cNvPr id="4" name="Slide Number Placeholder 3">
+            <a:extLst>
+              <a:ext uri="{FF2B5EF4-FFF2-40B4-BE49-F238E27FC236}">
+                <a16:creationId xmlns:a16="http://schemas.microsoft.com/office/drawing/2014/main" id="{4779CEAA-8372-8542-A778-84DBA79BE506}"/>
+              </a:ext>
+            </a:extLst>
+          </p:cNvPr>
+          <p:cNvSpPr>
+            <a:spLocks noGrp="1"/>
+          </p:cNvSpPr>
+          <p:nvPr>
+            <p:ph type="sldNum" sz="quarter" idx="12"/>
+          </p:nvPr>
+        </p:nvSpPr>
+        <p:spPr/>
+        <p:txBody>
+          <a:bodyPr/>
+          <a:lstStyle/>
+          <a:p>
+            <a:fld id="{7B5F8CF4-080C-6448-A4C0-B6A3C5CD13C0}" type="slidenum">
+              <a:rPr lang="en-US" smtClean="0"/>
+              <a:t>3</a:t>
+            </a:fld>
+            <a:endParaRPr lang="en-US"/>
+          </a:p>
+        </p:txBody>
+      </p:sp>
     </p:spTree>
     <p:extLst>
       <p:ext uri="{BB962C8B-B14F-4D97-AF65-F5344CB8AC3E}">
@@ -5109,6 +5254,35 @@
           </a:prstGeom>
         </p:spPr>
       </p:pic>
+      <p:sp>
+        <p:nvSpPr>
+          <p:cNvPr id="3" name="Slide Number Placeholder 2">
+            <a:extLst>
+              <a:ext uri="{FF2B5EF4-FFF2-40B4-BE49-F238E27FC236}">
+                <a16:creationId xmlns:a16="http://schemas.microsoft.com/office/drawing/2014/main" id="{0CDAEC3D-FF00-B843-A03A-379BB9D6FCF8}"/>
+              </a:ext>
+            </a:extLst>
+          </p:cNvPr>
+          <p:cNvSpPr>
+            <a:spLocks noGrp="1"/>
+          </p:cNvSpPr>
+          <p:nvPr>
+            <p:ph type="sldNum" sz="quarter" idx="12"/>
+          </p:nvPr>
+        </p:nvSpPr>
+        <p:spPr/>
+        <p:txBody>
+          <a:bodyPr/>
+          <a:lstStyle/>
+          <a:p>
+            <a:fld id="{7B5F8CF4-080C-6448-A4C0-B6A3C5CD13C0}" type="slidenum">
+              <a:rPr lang="en-US" smtClean="0"/>
+              <a:t>4</a:t>
+            </a:fld>
+            <a:endParaRPr lang="en-US"/>
+          </a:p>
+        </p:txBody>
+      </p:sp>
     </p:spTree>
     <p:extLst>
       <p:ext uri="{BB962C8B-B14F-4D97-AF65-F5344CB8AC3E}">
@@ -5282,6 +5456,35 @@
           </a:p>
         </p:txBody>
       </p:sp>
+      <p:sp>
+        <p:nvSpPr>
+          <p:cNvPr id="4" name="Slide Number Placeholder 3">
+            <a:extLst>
+              <a:ext uri="{FF2B5EF4-FFF2-40B4-BE49-F238E27FC236}">
+                <a16:creationId xmlns:a16="http://schemas.microsoft.com/office/drawing/2014/main" id="{AEBF31FB-B93A-A742-BC08-A60038F331F0}"/>
+              </a:ext>
+            </a:extLst>
+          </p:cNvPr>
+          <p:cNvSpPr>
+            <a:spLocks noGrp="1"/>
+          </p:cNvSpPr>
+          <p:nvPr>
+            <p:ph type="sldNum" sz="quarter" idx="12"/>
+          </p:nvPr>
+        </p:nvSpPr>
+        <p:spPr/>
+        <p:txBody>
+          <a:bodyPr/>
+          <a:lstStyle/>
+          <a:p>
+            <a:fld id="{7B5F8CF4-080C-6448-A4C0-B6A3C5CD13C0}" type="slidenum">
+              <a:rPr lang="en-US" smtClean="0"/>
+              <a:t>5</a:t>
+            </a:fld>
+            <a:endParaRPr lang="en-US"/>
+          </a:p>
+        </p:txBody>
+      </p:sp>
     </p:spTree>
     <p:extLst>
       <p:ext uri="{BB962C8B-B14F-4D97-AF65-F5344CB8AC3E}">
@@ -5371,7 +5574,7 @@
             </a:r>
             <a:r>
               <a:rPr lang="en-US" dirty="0"/>
-              <a:t>, = # in queue at first station (0)</a:t>
+              <a:t> = # in queue at first station (0)</a:t>
             </a:r>
           </a:p>
           <a:p>
@@ -5446,6 +5649,35 @@
               <a:rPr lang="en-US"/>
               <a:t>DES Short Course - Session 6</a:t>
             </a:r>
+          </a:p>
+        </p:txBody>
+      </p:sp>
+      <p:sp>
+        <p:nvSpPr>
+          <p:cNvPr id="4" name="Slide Number Placeholder 3">
+            <a:extLst>
+              <a:ext uri="{FF2B5EF4-FFF2-40B4-BE49-F238E27FC236}">
+                <a16:creationId xmlns:a16="http://schemas.microsoft.com/office/drawing/2014/main" id="{06E0D0CC-1E23-154A-9DE5-92F128F844DD}"/>
+              </a:ext>
+            </a:extLst>
+          </p:cNvPr>
+          <p:cNvSpPr>
+            <a:spLocks noGrp="1"/>
+          </p:cNvSpPr>
+          <p:nvPr>
+            <p:ph type="sldNum" sz="quarter" idx="12"/>
+          </p:nvPr>
+        </p:nvSpPr>
+        <p:spPr/>
+        <p:txBody>
+          <a:bodyPr/>
+          <a:lstStyle/>
+          <a:p>
+            <a:fld id="{7B5F8CF4-080C-6448-A4C0-B6A3C5CD13C0}" type="slidenum">
+              <a:rPr lang="en-US" smtClean="0"/>
+              <a:t>6</a:t>
+            </a:fld>
+            <a:endParaRPr lang="en-US"/>
           </a:p>
         </p:txBody>
       </p:sp>
@@ -5568,6 +5800,35 @@
           </a:prstGeom>
         </p:spPr>
       </p:pic>
+      <p:sp>
+        <p:nvSpPr>
+          <p:cNvPr id="3" name="Slide Number Placeholder 2">
+            <a:extLst>
+              <a:ext uri="{FF2B5EF4-FFF2-40B4-BE49-F238E27FC236}">
+                <a16:creationId xmlns:a16="http://schemas.microsoft.com/office/drawing/2014/main" id="{560E4E6D-4AB5-FD41-867A-809046A59C26}"/>
+              </a:ext>
+            </a:extLst>
+          </p:cNvPr>
+          <p:cNvSpPr>
+            <a:spLocks noGrp="1"/>
+          </p:cNvSpPr>
+          <p:nvPr>
+            <p:ph type="sldNum" sz="quarter" idx="12"/>
+          </p:nvPr>
+        </p:nvSpPr>
+        <p:spPr/>
+        <p:txBody>
+          <a:bodyPr/>
+          <a:lstStyle/>
+          <a:p>
+            <a:fld id="{7B5F8CF4-080C-6448-A4C0-B6A3C5CD13C0}" type="slidenum">
+              <a:rPr lang="en-US" smtClean="0"/>
+              <a:t>7</a:t>
+            </a:fld>
+            <a:endParaRPr lang="en-US"/>
+          </a:p>
+        </p:txBody>
+      </p:sp>
     </p:spTree>
     <p:extLst>
       <p:ext uri="{BB962C8B-B14F-4D97-AF65-F5344CB8AC3E}">
@@ -5976,6 +6237,35 @@
           </a:prstGeom>
         </p:spPr>
       </p:pic>
+      <p:sp>
+        <p:nvSpPr>
+          <p:cNvPr id="3" name="Slide Number Placeholder 2">
+            <a:extLst>
+              <a:ext uri="{FF2B5EF4-FFF2-40B4-BE49-F238E27FC236}">
+                <a16:creationId xmlns:a16="http://schemas.microsoft.com/office/drawing/2014/main" id="{C3903289-B7C9-A543-975F-E04B542FCB1A}"/>
+              </a:ext>
+            </a:extLst>
+          </p:cNvPr>
+          <p:cNvSpPr>
+            <a:spLocks noGrp="1"/>
+          </p:cNvSpPr>
+          <p:nvPr>
+            <p:ph type="sldNum" sz="quarter" idx="12"/>
+          </p:nvPr>
+        </p:nvSpPr>
+        <p:spPr/>
+        <p:txBody>
+          <a:bodyPr/>
+          <a:lstStyle/>
+          <a:p>
+            <a:fld id="{7B5F8CF4-080C-6448-A4C0-B6A3C5CD13C0}" type="slidenum">
+              <a:rPr lang="en-US" smtClean="0"/>
+              <a:t>8</a:t>
+            </a:fld>
+            <a:endParaRPr lang="en-US"/>
+          </a:p>
+        </p:txBody>
+      </p:sp>
     </p:spTree>
     <p:extLst>
       <p:ext uri="{BB962C8B-B14F-4D97-AF65-F5344CB8AC3E}">
@@ -6145,6 +6435,35 @@
               <a:rPr lang="en-US"/>
               <a:t>DES Short Course - Session 6</a:t>
             </a:r>
+          </a:p>
+        </p:txBody>
+      </p:sp>
+      <p:sp>
+        <p:nvSpPr>
+          <p:cNvPr id="2" name="Slide Number Placeholder 1">
+            <a:extLst>
+              <a:ext uri="{FF2B5EF4-FFF2-40B4-BE49-F238E27FC236}">
+                <a16:creationId xmlns:a16="http://schemas.microsoft.com/office/drawing/2014/main" id="{35CAFAF3-0C48-B544-A567-7E72C914DDF9}"/>
+              </a:ext>
+            </a:extLst>
+          </p:cNvPr>
+          <p:cNvSpPr>
+            <a:spLocks noGrp="1"/>
+          </p:cNvSpPr>
+          <p:nvPr>
+            <p:ph type="sldNum" sz="quarter" idx="12"/>
+          </p:nvPr>
+        </p:nvSpPr>
+        <p:spPr/>
+        <p:txBody>
+          <a:bodyPr/>
+          <a:lstStyle/>
+          <a:p>
+            <a:fld id="{7B5F8CF4-080C-6448-A4C0-B6A3C5CD13C0}" type="slidenum">
+              <a:rPr lang="en-US" smtClean="0"/>
+              <a:t>9</a:t>
+            </a:fld>
+            <a:endParaRPr lang="en-US"/>
           </a:p>
         </p:txBody>
       </p:sp>
